--- a/ВКР Киселев Д.В/Выполнение/Презентация.pptx
+++ b/ВКР Киселев Д.В/Выполнение/Презентация.pptx
@@ -1172,7 +1172,7 @@
           <a:p>
             <a:fld id="{B4C71EC6-210F-42DE-9C53-41977AD35B3D}" type="datetimeFigureOut">
               <a:rPr lang="ru-RU" smtClean="0"/>
-              <a:t>28.03.2023</a:t>
+              <a:t>29.03.2023</a:t>
             </a:fld>
             <a:endParaRPr lang="ru-RU"/>
           </a:p>
@@ -1337,7 +1337,7 @@
           <a:p>
             <a:fld id="{B4C71EC6-210F-42DE-9C53-41977AD35B3D}" type="datetimeFigureOut">
               <a:rPr lang="ru-RU" smtClean="0"/>
-              <a:t>28.03.2023</a:t>
+              <a:t>29.03.2023</a:t>
             </a:fld>
             <a:endParaRPr lang="ru-RU"/>
           </a:p>
@@ -1512,7 +1512,7 @@
           <a:p>
             <a:fld id="{B4C71EC6-210F-42DE-9C53-41977AD35B3D}" type="datetimeFigureOut">
               <a:rPr lang="ru-RU" smtClean="0"/>
-              <a:t>28.03.2023</a:t>
+              <a:t>29.03.2023</a:t>
             </a:fld>
             <a:endParaRPr lang="ru-RU"/>
           </a:p>
@@ -1677,7 +1677,7 @@
           <a:p>
             <a:fld id="{B4C71EC6-210F-42DE-9C53-41977AD35B3D}" type="datetimeFigureOut">
               <a:rPr lang="ru-RU" smtClean="0"/>
-              <a:t>28.03.2023</a:t>
+              <a:t>29.03.2023</a:t>
             </a:fld>
             <a:endParaRPr lang="ru-RU"/>
           </a:p>
@@ -1918,7 +1918,7 @@
           <a:p>
             <a:fld id="{B4C71EC6-210F-42DE-9C53-41977AD35B3D}" type="datetimeFigureOut">
               <a:rPr lang="ru-RU" smtClean="0"/>
-              <a:t>28.03.2023</a:t>
+              <a:t>29.03.2023</a:t>
             </a:fld>
             <a:endParaRPr lang="ru-RU"/>
           </a:p>
@@ -2201,7 +2201,7 @@
           <a:p>
             <a:fld id="{B4C71EC6-210F-42DE-9C53-41977AD35B3D}" type="datetimeFigureOut">
               <a:rPr lang="ru-RU" smtClean="0"/>
-              <a:t>28.03.2023</a:t>
+              <a:t>29.03.2023</a:t>
             </a:fld>
             <a:endParaRPr lang="ru-RU"/>
           </a:p>
@@ -2618,7 +2618,7 @@
           <a:p>
             <a:fld id="{B4C71EC6-210F-42DE-9C53-41977AD35B3D}" type="datetimeFigureOut">
               <a:rPr lang="ru-RU" smtClean="0"/>
-              <a:t>28.03.2023</a:t>
+              <a:t>29.03.2023</a:t>
             </a:fld>
             <a:endParaRPr lang="ru-RU"/>
           </a:p>
@@ -2731,7 +2731,7 @@
           <a:p>
             <a:fld id="{B4C71EC6-210F-42DE-9C53-41977AD35B3D}" type="datetimeFigureOut">
               <a:rPr lang="ru-RU" smtClean="0"/>
-              <a:t>28.03.2023</a:t>
+              <a:t>29.03.2023</a:t>
             </a:fld>
             <a:endParaRPr lang="ru-RU"/>
           </a:p>
@@ -2821,7 +2821,7 @@
           <a:p>
             <a:fld id="{B4C71EC6-210F-42DE-9C53-41977AD35B3D}" type="datetimeFigureOut">
               <a:rPr lang="ru-RU" smtClean="0"/>
-              <a:t>28.03.2023</a:t>
+              <a:t>29.03.2023</a:t>
             </a:fld>
             <a:endParaRPr lang="ru-RU"/>
           </a:p>
@@ -3093,7 +3093,7 @@
           <a:p>
             <a:fld id="{B4C71EC6-210F-42DE-9C53-41977AD35B3D}" type="datetimeFigureOut">
               <a:rPr lang="ru-RU" smtClean="0"/>
-              <a:t>28.03.2023</a:t>
+              <a:t>29.03.2023</a:t>
             </a:fld>
             <a:endParaRPr lang="ru-RU"/>
           </a:p>
@@ -3341,7 +3341,7 @@
           <a:p>
             <a:fld id="{B4C71EC6-210F-42DE-9C53-41977AD35B3D}" type="datetimeFigureOut">
               <a:rPr lang="ru-RU" smtClean="0"/>
-              <a:t>28.03.2023</a:t>
+              <a:t>29.03.2023</a:t>
             </a:fld>
             <a:endParaRPr lang="ru-RU"/>
           </a:p>
@@ -3549,7 +3549,7 @@
           <a:p>
             <a:fld id="{B4C71EC6-210F-42DE-9C53-41977AD35B3D}" type="datetimeFigureOut">
               <a:rPr lang="ru-RU" smtClean="0"/>
-              <a:t>28.03.2023</a:t>
+              <a:t>29.03.2023</a:t>
             </a:fld>
             <a:endParaRPr lang="ru-RU"/>
           </a:p>
@@ -3924,7 +3924,7 @@
           <p:cNvPr id="5" name="Picture 6">
             <a:extLst>
               <a:ext uri="{FF2B5EF4-FFF2-40B4-BE49-F238E27FC236}">
-                <a16:creationId xmlns="" xmlns:a16="http://schemas.microsoft.com/office/drawing/2014/main" id="{F86833CC-B2B0-41C9-8234-D42C8F028557}"/>
+                <a16:creationId xmlns:a16="http://schemas.microsoft.com/office/drawing/2014/main" xmlns="" id="{F86833CC-B2B0-41C9-8234-D42C8F028557}"/>
               </a:ext>
             </a:extLst>
           </p:cNvPr>
@@ -3960,7 +3960,7 @@
           <p:cNvPr id="8" name="TextBox 7">
             <a:extLst>
               <a:ext uri="{FF2B5EF4-FFF2-40B4-BE49-F238E27FC236}">
-                <a16:creationId xmlns="" xmlns:a16="http://schemas.microsoft.com/office/drawing/2014/main" id="{601233E2-89D1-4631-9EA2-F829C9433637}"/>
+                <a16:creationId xmlns:a16="http://schemas.microsoft.com/office/drawing/2014/main" xmlns="" id="{601233E2-89D1-4631-9EA2-F829C9433637}"/>
               </a:ext>
             </a:extLst>
           </p:cNvPr>
@@ -4052,7 +4052,7 @@
               <p14:cNvPr id="9" name="Рукописный ввод 8">
                 <a:extLst>
                   <a:ext uri="{FF2B5EF4-FFF2-40B4-BE49-F238E27FC236}">
-                    <a16:creationId xmlns="" xmlns:a16="http://schemas.microsoft.com/office/drawing/2014/main" id="{1DEC865F-1443-4D03-9F29-4BD6D11BECA3}"/>
+                    <a16:creationId xmlns:a16="http://schemas.microsoft.com/office/drawing/2014/main" xmlns="" id="{1DEC865F-1443-4D03-9F29-4BD6D11BECA3}"/>
                   </a:ext>
                 </a:extLst>
               </p14:cNvPr>
@@ -4103,7 +4103,7 @@
               <p14:cNvPr id="10" name="Рукописный ввод 9">
                 <a:extLst>
                   <a:ext uri="{FF2B5EF4-FFF2-40B4-BE49-F238E27FC236}">
-                    <a16:creationId xmlns="" xmlns:a16="http://schemas.microsoft.com/office/drawing/2014/main" id="{D4F611E5-5BF3-432E-86BD-75D9FA62FAF5}"/>
+                    <a16:creationId xmlns:a16="http://schemas.microsoft.com/office/drawing/2014/main" xmlns="" id="{D4F611E5-5BF3-432E-86BD-75D9FA62FAF5}"/>
                   </a:ext>
                 </a:extLst>
               </p14:cNvPr>
@@ -4152,7 +4152,7 @@
           <p:cNvPr id="11" name="Номер слайда 2">
             <a:extLst>
               <a:ext uri="{FF2B5EF4-FFF2-40B4-BE49-F238E27FC236}">
-                <a16:creationId xmlns="" xmlns:a16="http://schemas.microsoft.com/office/drawing/2014/main" id="{B38EA520-EE3C-4838-9405-03116C1804A8}"/>
+                <a16:creationId xmlns:a16="http://schemas.microsoft.com/office/drawing/2014/main" xmlns="" id="{B38EA520-EE3C-4838-9405-03116C1804A8}"/>
               </a:ext>
             </a:extLst>
           </p:cNvPr>
@@ -4186,7 +4186,7 @@
           <p:cNvPr id="12" name="Рисунок 11">
             <a:extLst>
               <a:ext uri="{FF2B5EF4-FFF2-40B4-BE49-F238E27FC236}">
-                <a16:creationId xmlns="" xmlns:a16="http://schemas.microsoft.com/office/drawing/2014/main" id="{AE7A6181-1539-49CD-911A-68D76D3FDA20}"/>
+                <a16:creationId xmlns:a16="http://schemas.microsoft.com/office/drawing/2014/main" xmlns="" id="{AE7A6181-1539-49CD-911A-68D76D3FDA20}"/>
               </a:ext>
             </a:extLst>
           </p:cNvPr>
@@ -4222,7 +4222,7 @@
           <p:cNvPr id="13" name="TextBox 12">
             <a:extLst>
               <a:ext uri="{FF2B5EF4-FFF2-40B4-BE49-F238E27FC236}">
-                <a16:creationId xmlns="" xmlns:a16="http://schemas.microsoft.com/office/drawing/2014/main" id="{78B2FD1F-F6FD-4E11-981A-E2AD1882D626}"/>
+                <a16:creationId xmlns:a16="http://schemas.microsoft.com/office/drawing/2014/main" xmlns="" id="{78B2FD1F-F6FD-4E11-981A-E2AD1882D626}"/>
               </a:ext>
             </a:extLst>
           </p:cNvPr>
@@ -4274,7 +4274,7 @@
           <p:cNvPr id="14" name="TextBox 13">
             <a:extLst>
               <a:ext uri="{FF2B5EF4-FFF2-40B4-BE49-F238E27FC236}">
-                <a16:creationId xmlns="" xmlns:a16="http://schemas.microsoft.com/office/drawing/2014/main" id="{601233E2-89D1-4631-9EA2-F829C9433637}"/>
+                <a16:creationId xmlns:a16="http://schemas.microsoft.com/office/drawing/2014/main" xmlns="" id="{601233E2-89D1-4631-9EA2-F829C9433637}"/>
               </a:ext>
             </a:extLst>
           </p:cNvPr>
@@ -4374,7 +4374,7 @@
           <p:cNvPr id="5" name="Picture 6">
             <a:extLst>
               <a:ext uri="{FF2B5EF4-FFF2-40B4-BE49-F238E27FC236}">
-                <a16:creationId xmlns="" xmlns:a16="http://schemas.microsoft.com/office/drawing/2014/main" id="{F86833CC-B2B0-41C9-8234-D42C8F028557}"/>
+                <a16:creationId xmlns:a16="http://schemas.microsoft.com/office/drawing/2014/main" xmlns="" id="{F86833CC-B2B0-41C9-8234-D42C8F028557}"/>
               </a:ext>
             </a:extLst>
           </p:cNvPr>
@@ -4412,7 +4412,7 @@
               <p14:cNvPr id="9" name="Рукописный ввод 8">
                 <a:extLst>
                   <a:ext uri="{FF2B5EF4-FFF2-40B4-BE49-F238E27FC236}">
-                    <a16:creationId xmlns="" xmlns:a16="http://schemas.microsoft.com/office/drawing/2014/main" id="{1DEC865F-1443-4D03-9F29-4BD6D11BECA3}"/>
+                    <a16:creationId xmlns:a16="http://schemas.microsoft.com/office/drawing/2014/main" xmlns="" id="{1DEC865F-1443-4D03-9F29-4BD6D11BECA3}"/>
                   </a:ext>
                 </a:extLst>
               </p14:cNvPr>
@@ -4463,7 +4463,7 @@
               <p14:cNvPr id="10" name="Рукописный ввод 9">
                 <a:extLst>
                   <a:ext uri="{FF2B5EF4-FFF2-40B4-BE49-F238E27FC236}">
-                    <a16:creationId xmlns="" xmlns:a16="http://schemas.microsoft.com/office/drawing/2014/main" id="{D4F611E5-5BF3-432E-86BD-75D9FA62FAF5}"/>
+                    <a16:creationId xmlns:a16="http://schemas.microsoft.com/office/drawing/2014/main" xmlns="" id="{D4F611E5-5BF3-432E-86BD-75D9FA62FAF5}"/>
                   </a:ext>
                 </a:extLst>
               </p14:cNvPr>
@@ -4512,7 +4512,7 @@
           <p:cNvPr id="11" name="Номер слайда 2">
             <a:extLst>
               <a:ext uri="{FF2B5EF4-FFF2-40B4-BE49-F238E27FC236}">
-                <a16:creationId xmlns="" xmlns:a16="http://schemas.microsoft.com/office/drawing/2014/main" id="{B38EA520-EE3C-4838-9405-03116C1804A8}"/>
+                <a16:creationId xmlns:a16="http://schemas.microsoft.com/office/drawing/2014/main" xmlns="" id="{B38EA520-EE3C-4838-9405-03116C1804A8}"/>
               </a:ext>
             </a:extLst>
           </p:cNvPr>
@@ -4541,7 +4541,7 @@
           <p:cNvPr id="12" name="Рисунок 11">
             <a:extLst>
               <a:ext uri="{FF2B5EF4-FFF2-40B4-BE49-F238E27FC236}">
-                <a16:creationId xmlns="" xmlns:a16="http://schemas.microsoft.com/office/drawing/2014/main" id="{AE7A6181-1539-49CD-911A-68D76D3FDA20}"/>
+                <a16:creationId xmlns:a16="http://schemas.microsoft.com/office/drawing/2014/main" xmlns="" id="{AE7A6181-1539-49CD-911A-68D76D3FDA20}"/>
               </a:ext>
             </a:extLst>
           </p:cNvPr>
@@ -4998,7 +4998,7 @@
           <p:cNvPr id="5" name="Picture 6">
             <a:extLst>
               <a:ext uri="{FF2B5EF4-FFF2-40B4-BE49-F238E27FC236}">
-                <a16:creationId xmlns="" xmlns:a16="http://schemas.microsoft.com/office/drawing/2014/main" id="{F86833CC-B2B0-41C9-8234-D42C8F028557}"/>
+                <a16:creationId xmlns:a16="http://schemas.microsoft.com/office/drawing/2014/main" xmlns="" id="{F86833CC-B2B0-41C9-8234-D42C8F028557}"/>
               </a:ext>
             </a:extLst>
           </p:cNvPr>
@@ -5036,7 +5036,7 @@
               <p14:cNvPr id="9" name="Рукописный ввод 8">
                 <a:extLst>
                   <a:ext uri="{FF2B5EF4-FFF2-40B4-BE49-F238E27FC236}">
-                    <a16:creationId xmlns="" xmlns:a16="http://schemas.microsoft.com/office/drawing/2014/main" id="{1DEC865F-1443-4D03-9F29-4BD6D11BECA3}"/>
+                    <a16:creationId xmlns:a16="http://schemas.microsoft.com/office/drawing/2014/main" xmlns="" id="{1DEC865F-1443-4D03-9F29-4BD6D11BECA3}"/>
                   </a:ext>
                 </a:extLst>
               </p14:cNvPr>
@@ -5087,7 +5087,7 @@
               <p14:cNvPr id="10" name="Рукописный ввод 9">
                 <a:extLst>
                   <a:ext uri="{FF2B5EF4-FFF2-40B4-BE49-F238E27FC236}">
-                    <a16:creationId xmlns="" xmlns:a16="http://schemas.microsoft.com/office/drawing/2014/main" id="{D4F611E5-5BF3-432E-86BD-75D9FA62FAF5}"/>
+                    <a16:creationId xmlns:a16="http://schemas.microsoft.com/office/drawing/2014/main" xmlns="" id="{D4F611E5-5BF3-432E-86BD-75D9FA62FAF5}"/>
                   </a:ext>
                 </a:extLst>
               </p14:cNvPr>
@@ -5136,7 +5136,7 @@
           <p:cNvPr id="11" name="Номер слайда 2">
             <a:extLst>
               <a:ext uri="{FF2B5EF4-FFF2-40B4-BE49-F238E27FC236}">
-                <a16:creationId xmlns="" xmlns:a16="http://schemas.microsoft.com/office/drawing/2014/main" id="{B38EA520-EE3C-4838-9405-03116C1804A8}"/>
+                <a16:creationId xmlns:a16="http://schemas.microsoft.com/office/drawing/2014/main" xmlns="" id="{B38EA520-EE3C-4838-9405-03116C1804A8}"/>
               </a:ext>
             </a:extLst>
           </p:cNvPr>
@@ -5165,7 +5165,7 @@
           <p:cNvPr id="12" name="Рисунок 11">
             <a:extLst>
               <a:ext uri="{FF2B5EF4-FFF2-40B4-BE49-F238E27FC236}">
-                <a16:creationId xmlns="" xmlns:a16="http://schemas.microsoft.com/office/drawing/2014/main" id="{AE7A6181-1539-49CD-911A-68D76D3FDA20}"/>
+                <a16:creationId xmlns:a16="http://schemas.microsoft.com/office/drawing/2014/main" xmlns="" id="{AE7A6181-1539-49CD-911A-68D76D3FDA20}"/>
               </a:ext>
             </a:extLst>
           </p:cNvPr>
@@ -5562,7 +5562,7 @@
           <p:cNvPr id="5" name="Picture 6">
             <a:extLst>
               <a:ext uri="{FF2B5EF4-FFF2-40B4-BE49-F238E27FC236}">
-                <a16:creationId xmlns="" xmlns:a16="http://schemas.microsoft.com/office/drawing/2014/main" id="{F86833CC-B2B0-41C9-8234-D42C8F028557}"/>
+                <a16:creationId xmlns:a16="http://schemas.microsoft.com/office/drawing/2014/main" xmlns="" id="{F86833CC-B2B0-41C9-8234-D42C8F028557}"/>
               </a:ext>
             </a:extLst>
           </p:cNvPr>
@@ -5600,7 +5600,7 @@
               <p14:cNvPr id="9" name="Рукописный ввод 8">
                 <a:extLst>
                   <a:ext uri="{FF2B5EF4-FFF2-40B4-BE49-F238E27FC236}">
-                    <a16:creationId xmlns="" xmlns:a16="http://schemas.microsoft.com/office/drawing/2014/main" id="{1DEC865F-1443-4D03-9F29-4BD6D11BECA3}"/>
+                    <a16:creationId xmlns:a16="http://schemas.microsoft.com/office/drawing/2014/main" xmlns="" id="{1DEC865F-1443-4D03-9F29-4BD6D11BECA3}"/>
                   </a:ext>
                 </a:extLst>
               </p14:cNvPr>
@@ -5651,7 +5651,7 @@
               <p14:cNvPr id="10" name="Рукописный ввод 9">
                 <a:extLst>
                   <a:ext uri="{FF2B5EF4-FFF2-40B4-BE49-F238E27FC236}">
-                    <a16:creationId xmlns="" xmlns:a16="http://schemas.microsoft.com/office/drawing/2014/main" id="{D4F611E5-5BF3-432E-86BD-75D9FA62FAF5}"/>
+                    <a16:creationId xmlns:a16="http://schemas.microsoft.com/office/drawing/2014/main" xmlns="" id="{D4F611E5-5BF3-432E-86BD-75D9FA62FAF5}"/>
                   </a:ext>
                 </a:extLst>
               </p14:cNvPr>
@@ -5700,7 +5700,7 @@
           <p:cNvPr id="11" name="Номер слайда 2">
             <a:extLst>
               <a:ext uri="{FF2B5EF4-FFF2-40B4-BE49-F238E27FC236}">
-                <a16:creationId xmlns="" xmlns:a16="http://schemas.microsoft.com/office/drawing/2014/main" id="{B38EA520-EE3C-4838-9405-03116C1804A8}"/>
+                <a16:creationId xmlns:a16="http://schemas.microsoft.com/office/drawing/2014/main" xmlns="" id="{B38EA520-EE3C-4838-9405-03116C1804A8}"/>
               </a:ext>
             </a:extLst>
           </p:cNvPr>
@@ -5729,7 +5729,7 @@
           <p:cNvPr id="12" name="Рисунок 11">
             <a:extLst>
               <a:ext uri="{FF2B5EF4-FFF2-40B4-BE49-F238E27FC236}">
-                <a16:creationId xmlns="" xmlns:a16="http://schemas.microsoft.com/office/drawing/2014/main" id="{AE7A6181-1539-49CD-911A-68D76D3FDA20}"/>
+                <a16:creationId xmlns:a16="http://schemas.microsoft.com/office/drawing/2014/main" xmlns="" id="{AE7A6181-1539-49CD-911A-68D76D3FDA20}"/>
               </a:ext>
             </a:extLst>
           </p:cNvPr>
@@ -5975,7 +5975,7 @@
           <p:cNvPr id="5" name="Picture 6">
             <a:extLst>
               <a:ext uri="{FF2B5EF4-FFF2-40B4-BE49-F238E27FC236}">
-                <a16:creationId xmlns="" xmlns:a16="http://schemas.microsoft.com/office/drawing/2014/main" id="{F86833CC-B2B0-41C9-8234-D42C8F028557}"/>
+                <a16:creationId xmlns:a16="http://schemas.microsoft.com/office/drawing/2014/main" xmlns="" id="{F86833CC-B2B0-41C9-8234-D42C8F028557}"/>
               </a:ext>
             </a:extLst>
           </p:cNvPr>
@@ -6013,7 +6013,7 @@
               <p14:cNvPr id="9" name="Рукописный ввод 8">
                 <a:extLst>
                   <a:ext uri="{FF2B5EF4-FFF2-40B4-BE49-F238E27FC236}">
-                    <a16:creationId xmlns="" xmlns:a16="http://schemas.microsoft.com/office/drawing/2014/main" id="{1DEC865F-1443-4D03-9F29-4BD6D11BECA3}"/>
+                    <a16:creationId xmlns:a16="http://schemas.microsoft.com/office/drawing/2014/main" xmlns="" id="{1DEC865F-1443-4D03-9F29-4BD6D11BECA3}"/>
                   </a:ext>
                 </a:extLst>
               </p14:cNvPr>
@@ -6064,7 +6064,7 @@
               <p14:cNvPr id="10" name="Рукописный ввод 9">
                 <a:extLst>
                   <a:ext uri="{FF2B5EF4-FFF2-40B4-BE49-F238E27FC236}">
-                    <a16:creationId xmlns="" xmlns:a16="http://schemas.microsoft.com/office/drawing/2014/main" id="{D4F611E5-5BF3-432E-86BD-75D9FA62FAF5}"/>
+                    <a16:creationId xmlns:a16="http://schemas.microsoft.com/office/drawing/2014/main" xmlns="" id="{D4F611E5-5BF3-432E-86BD-75D9FA62FAF5}"/>
                   </a:ext>
                 </a:extLst>
               </p14:cNvPr>
@@ -6113,7 +6113,7 @@
           <p:cNvPr id="11" name="Номер слайда 2">
             <a:extLst>
               <a:ext uri="{FF2B5EF4-FFF2-40B4-BE49-F238E27FC236}">
-                <a16:creationId xmlns="" xmlns:a16="http://schemas.microsoft.com/office/drawing/2014/main" id="{B38EA520-EE3C-4838-9405-03116C1804A8}"/>
+                <a16:creationId xmlns:a16="http://schemas.microsoft.com/office/drawing/2014/main" xmlns="" id="{B38EA520-EE3C-4838-9405-03116C1804A8}"/>
               </a:ext>
             </a:extLst>
           </p:cNvPr>
@@ -6440,7 +6440,7 @@
           <p:cNvPr id="5" name="Picture 6">
             <a:extLst>
               <a:ext uri="{FF2B5EF4-FFF2-40B4-BE49-F238E27FC236}">
-                <a16:creationId xmlns="" xmlns:a16="http://schemas.microsoft.com/office/drawing/2014/main" id="{F86833CC-B2B0-41C9-8234-D42C8F028557}"/>
+                <a16:creationId xmlns:a16="http://schemas.microsoft.com/office/drawing/2014/main" xmlns="" id="{F86833CC-B2B0-41C9-8234-D42C8F028557}"/>
               </a:ext>
             </a:extLst>
           </p:cNvPr>
@@ -6478,7 +6478,7 @@
               <p14:cNvPr id="9" name="Рукописный ввод 8">
                 <a:extLst>
                   <a:ext uri="{FF2B5EF4-FFF2-40B4-BE49-F238E27FC236}">
-                    <a16:creationId xmlns="" xmlns:a16="http://schemas.microsoft.com/office/drawing/2014/main" id="{1DEC865F-1443-4D03-9F29-4BD6D11BECA3}"/>
+                    <a16:creationId xmlns:a16="http://schemas.microsoft.com/office/drawing/2014/main" xmlns="" id="{1DEC865F-1443-4D03-9F29-4BD6D11BECA3}"/>
                   </a:ext>
                 </a:extLst>
               </p14:cNvPr>
@@ -6529,7 +6529,7 @@
               <p14:cNvPr id="10" name="Рукописный ввод 9">
                 <a:extLst>
                   <a:ext uri="{FF2B5EF4-FFF2-40B4-BE49-F238E27FC236}">
-                    <a16:creationId xmlns="" xmlns:a16="http://schemas.microsoft.com/office/drawing/2014/main" id="{D4F611E5-5BF3-432E-86BD-75D9FA62FAF5}"/>
+                    <a16:creationId xmlns:a16="http://schemas.microsoft.com/office/drawing/2014/main" xmlns="" id="{D4F611E5-5BF3-432E-86BD-75D9FA62FAF5}"/>
                   </a:ext>
                 </a:extLst>
               </p14:cNvPr>
@@ -6578,7 +6578,7 @@
           <p:cNvPr id="11" name="Номер слайда 2">
             <a:extLst>
               <a:ext uri="{FF2B5EF4-FFF2-40B4-BE49-F238E27FC236}">
-                <a16:creationId xmlns="" xmlns:a16="http://schemas.microsoft.com/office/drawing/2014/main" id="{B38EA520-EE3C-4838-9405-03116C1804A8}"/>
+                <a16:creationId xmlns:a16="http://schemas.microsoft.com/office/drawing/2014/main" xmlns="" id="{B38EA520-EE3C-4838-9405-03116C1804A8}"/>
               </a:ext>
             </a:extLst>
           </p:cNvPr>
@@ -6607,7 +6607,7 @@
           <p:cNvPr id="12" name="Рисунок 11">
             <a:extLst>
               <a:ext uri="{FF2B5EF4-FFF2-40B4-BE49-F238E27FC236}">
-                <a16:creationId xmlns="" xmlns:a16="http://schemas.microsoft.com/office/drawing/2014/main" id="{AE7A6181-1539-49CD-911A-68D76D3FDA20}"/>
+                <a16:creationId xmlns:a16="http://schemas.microsoft.com/office/drawing/2014/main" xmlns="" id="{AE7A6181-1539-49CD-911A-68D76D3FDA20}"/>
               </a:ext>
             </a:extLst>
           </p:cNvPr>
@@ -6674,7 +6674,7 @@
       </p:sp>
       <p:pic>
         <p:nvPicPr>
-          <p:cNvPr id="8" name="Рисунок 7"/>
+          <p:cNvPr id="18" name="Рисунок 17"/>
           <p:cNvPicPr/>
           <p:nvPr/>
         </p:nvPicPr>
@@ -6686,8 +6686,8 @@
         </p:blipFill>
         <p:spPr>
           <a:xfrm>
-            <a:off x="165037" y="1329880"/>
-            <a:ext cx="3861083" cy="3272409"/>
+            <a:off x="8221831" y="5400651"/>
+            <a:ext cx="3871921" cy="1386962"/>
           </a:xfrm>
           <a:prstGeom prst="rect">
             <a:avLst/>
@@ -6696,7 +6696,7 @@
       </p:pic>
       <p:pic>
         <p:nvPicPr>
-          <p:cNvPr id="13" name="Рисунок 12"/>
+          <p:cNvPr id="19" name="Рисунок 18"/>
           <p:cNvPicPr/>
           <p:nvPr/>
         </p:nvPicPr>
@@ -6708,8 +6708,8 @@
         </p:blipFill>
         <p:spPr>
           <a:xfrm>
-            <a:off x="165037" y="4717590"/>
-            <a:ext cx="3863633" cy="2086261"/>
+            <a:off x="8210128" y="1512218"/>
+            <a:ext cx="3871921" cy="3790950"/>
           </a:xfrm>
           <a:prstGeom prst="rect">
             <a:avLst/>
@@ -6718,7 +6718,7 @@
       </p:pic>
       <p:pic>
         <p:nvPicPr>
-          <p:cNvPr id="14" name="Рисунок 13"/>
+          <p:cNvPr id="20" name="Рисунок 19"/>
           <p:cNvPicPr/>
           <p:nvPr/>
         </p:nvPicPr>
@@ -6730,8 +6730,8 @@
         </p:blipFill>
         <p:spPr>
           <a:xfrm>
-            <a:off x="4184647" y="1322212"/>
-            <a:ext cx="3871921" cy="3287744"/>
+            <a:off x="4190498" y="5400651"/>
+            <a:ext cx="3860218" cy="1386962"/>
           </a:xfrm>
           <a:prstGeom prst="rect">
             <a:avLst/>
@@ -6740,7 +6740,7 @@
       </p:pic>
       <p:pic>
         <p:nvPicPr>
-          <p:cNvPr id="15" name="Рисунок 14"/>
+          <p:cNvPr id="21" name="Рисунок 20"/>
           <p:cNvPicPr/>
           <p:nvPr/>
         </p:nvPicPr>
@@ -6752,8 +6752,8 @@
         </p:blipFill>
         <p:spPr>
           <a:xfrm>
-            <a:off x="4184647" y="4713589"/>
-            <a:ext cx="3871921" cy="2090261"/>
+            <a:off x="4195420" y="1512218"/>
+            <a:ext cx="3871921" cy="3790950"/>
           </a:xfrm>
           <a:prstGeom prst="rect">
             <a:avLst/>
@@ -6762,7 +6762,7 @@
       </p:pic>
       <p:pic>
         <p:nvPicPr>
-          <p:cNvPr id="16" name="Рисунок 15"/>
+          <p:cNvPr id="22" name="Рисунок 21"/>
           <p:cNvPicPr/>
           <p:nvPr/>
         </p:nvPicPr>
@@ -6774,8 +6774,8 @@
         </p:blipFill>
         <p:spPr>
           <a:xfrm>
-            <a:off x="8221833" y="1337547"/>
-            <a:ext cx="3863633" cy="3272409"/>
+            <a:off x="161695" y="5400651"/>
+            <a:ext cx="3875264" cy="1386962"/>
           </a:xfrm>
           <a:prstGeom prst="rect">
             <a:avLst/>
@@ -6784,7 +6784,7 @@
       </p:pic>
       <p:pic>
         <p:nvPicPr>
-          <p:cNvPr id="17" name="Рисунок 16"/>
+          <p:cNvPr id="23" name="Рисунок 22"/>
           <p:cNvPicPr/>
           <p:nvPr/>
         </p:nvPicPr>
@@ -6796,8 +6796,8 @@
         </p:blipFill>
         <p:spPr>
           <a:xfrm>
-            <a:off x="8210993" y="4700254"/>
-            <a:ext cx="3874471" cy="2103596"/>
+            <a:off x="161694" y="1493168"/>
+            <a:ext cx="3875264" cy="3810000"/>
           </a:xfrm>
           <a:prstGeom prst="rect">
             <a:avLst/>
@@ -6846,7 +6846,7 @@
           <p:cNvPr id="5" name="Picture 6">
             <a:extLst>
               <a:ext uri="{FF2B5EF4-FFF2-40B4-BE49-F238E27FC236}">
-                <a16:creationId xmlns="" xmlns:a16="http://schemas.microsoft.com/office/drawing/2014/main" id="{F86833CC-B2B0-41C9-8234-D42C8F028557}"/>
+                <a16:creationId xmlns:a16="http://schemas.microsoft.com/office/drawing/2014/main" xmlns="" id="{F86833CC-B2B0-41C9-8234-D42C8F028557}"/>
               </a:ext>
             </a:extLst>
           </p:cNvPr>
@@ -6884,7 +6884,7 @@
               <p14:cNvPr id="9" name="Рукописный ввод 8">
                 <a:extLst>
                   <a:ext uri="{FF2B5EF4-FFF2-40B4-BE49-F238E27FC236}">
-                    <a16:creationId xmlns="" xmlns:a16="http://schemas.microsoft.com/office/drawing/2014/main" id="{1DEC865F-1443-4D03-9F29-4BD6D11BECA3}"/>
+                    <a16:creationId xmlns:a16="http://schemas.microsoft.com/office/drawing/2014/main" xmlns="" id="{1DEC865F-1443-4D03-9F29-4BD6D11BECA3}"/>
                   </a:ext>
                 </a:extLst>
               </p14:cNvPr>
@@ -6935,7 +6935,7 @@
               <p14:cNvPr id="10" name="Рукописный ввод 9">
                 <a:extLst>
                   <a:ext uri="{FF2B5EF4-FFF2-40B4-BE49-F238E27FC236}">
-                    <a16:creationId xmlns="" xmlns:a16="http://schemas.microsoft.com/office/drawing/2014/main" id="{D4F611E5-5BF3-432E-86BD-75D9FA62FAF5}"/>
+                    <a16:creationId xmlns:a16="http://schemas.microsoft.com/office/drawing/2014/main" xmlns="" id="{D4F611E5-5BF3-432E-86BD-75D9FA62FAF5}"/>
                   </a:ext>
                 </a:extLst>
               </p14:cNvPr>
@@ -6984,7 +6984,7 @@
           <p:cNvPr id="11" name="Номер слайда 2">
             <a:extLst>
               <a:ext uri="{FF2B5EF4-FFF2-40B4-BE49-F238E27FC236}">
-                <a16:creationId xmlns="" xmlns:a16="http://schemas.microsoft.com/office/drawing/2014/main" id="{B38EA520-EE3C-4838-9405-03116C1804A8}"/>
+                <a16:creationId xmlns:a16="http://schemas.microsoft.com/office/drawing/2014/main" xmlns="" id="{B38EA520-EE3C-4838-9405-03116C1804A8}"/>
               </a:ext>
             </a:extLst>
           </p:cNvPr>
@@ -7013,7 +7013,7 @@
           <p:cNvPr id="12" name="Рисунок 11">
             <a:extLst>
               <a:ext uri="{FF2B5EF4-FFF2-40B4-BE49-F238E27FC236}">
-                <a16:creationId xmlns="" xmlns:a16="http://schemas.microsoft.com/office/drawing/2014/main" id="{AE7A6181-1539-49CD-911A-68D76D3FDA20}"/>
+                <a16:creationId xmlns:a16="http://schemas.microsoft.com/office/drawing/2014/main" xmlns="" id="{AE7A6181-1539-49CD-911A-68D76D3FDA20}"/>
               </a:ext>
             </a:extLst>
           </p:cNvPr>
@@ -7226,7 +7226,7 @@
           <p:cNvPr id="5" name="Picture 6">
             <a:extLst>
               <a:ext uri="{FF2B5EF4-FFF2-40B4-BE49-F238E27FC236}">
-                <a16:creationId xmlns="" xmlns:a16="http://schemas.microsoft.com/office/drawing/2014/main" id="{F86833CC-B2B0-41C9-8234-D42C8F028557}"/>
+                <a16:creationId xmlns:a16="http://schemas.microsoft.com/office/drawing/2014/main" xmlns="" id="{F86833CC-B2B0-41C9-8234-D42C8F028557}"/>
               </a:ext>
             </a:extLst>
           </p:cNvPr>
@@ -7264,7 +7264,7 @@
               <p14:cNvPr id="9" name="Рукописный ввод 8">
                 <a:extLst>
                   <a:ext uri="{FF2B5EF4-FFF2-40B4-BE49-F238E27FC236}">
-                    <a16:creationId xmlns="" xmlns:a16="http://schemas.microsoft.com/office/drawing/2014/main" id="{1DEC865F-1443-4D03-9F29-4BD6D11BECA3}"/>
+                    <a16:creationId xmlns:a16="http://schemas.microsoft.com/office/drawing/2014/main" xmlns="" id="{1DEC865F-1443-4D03-9F29-4BD6D11BECA3}"/>
                   </a:ext>
                 </a:extLst>
               </p14:cNvPr>
@@ -7315,7 +7315,7 @@
               <p14:cNvPr id="10" name="Рукописный ввод 9">
                 <a:extLst>
                   <a:ext uri="{FF2B5EF4-FFF2-40B4-BE49-F238E27FC236}">
-                    <a16:creationId xmlns="" xmlns:a16="http://schemas.microsoft.com/office/drawing/2014/main" id="{D4F611E5-5BF3-432E-86BD-75D9FA62FAF5}"/>
+                    <a16:creationId xmlns:a16="http://schemas.microsoft.com/office/drawing/2014/main" xmlns="" id="{D4F611E5-5BF3-432E-86BD-75D9FA62FAF5}"/>
                   </a:ext>
                 </a:extLst>
               </p14:cNvPr>
@@ -7706,7 +7706,7 @@
           <p:cNvPr id="11" name="Номер слайда 2">
             <a:extLst>
               <a:ext uri="{FF2B5EF4-FFF2-40B4-BE49-F238E27FC236}">
-                <a16:creationId xmlns="" xmlns:a16="http://schemas.microsoft.com/office/drawing/2014/main" id="{B38EA520-EE3C-4838-9405-03116C1804A8}"/>
+                <a16:creationId xmlns:a16="http://schemas.microsoft.com/office/drawing/2014/main" xmlns="" id="{B38EA520-EE3C-4838-9405-03116C1804A8}"/>
               </a:ext>
             </a:extLst>
           </p:cNvPr>
@@ -7735,7 +7735,7 @@
           <p:cNvPr id="12" name="Рисунок 11">
             <a:extLst>
               <a:ext uri="{FF2B5EF4-FFF2-40B4-BE49-F238E27FC236}">
-                <a16:creationId xmlns="" xmlns:a16="http://schemas.microsoft.com/office/drawing/2014/main" id="{AE7A6181-1539-49CD-911A-68D76D3FDA20}"/>
+                <a16:creationId xmlns:a16="http://schemas.microsoft.com/office/drawing/2014/main" xmlns="" id="{AE7A6181-1539-49CD-911A-68D76D3FDA20}"/>
               </a:ext>
             </a:extLst>
           </p:cNvPr>
@@ -7808,7 +7808,7 @@
           <p:cNvPr id="5" name="Picture 6">
             <a:extLst>
               <a:ext uri="{FF2B5EF4-FFF2-40B4-BE49-F238E27FC236}">
-                <a16:creationId xmlns="" xmlns:a16="http://schemas.microsoft.com/office/drawing/2014/main" id="{F86833CC-B2B0-41C9-8234-D42C8F028557}"/>
+                <a16:creationId xmlns:a16="http://schemas.microsoft.com/office/drawing/2014/main" xmlns="" id="{F86833CC-B2B0-41C9-8234-D42C8F028557}"/>
               </a:ext>
             </a:extLst>
           </p:cNvPr>
@@ -7846,7 +7846,7 @@
               <p14:cNvPr id="9" name="Рукописный ввод 8">
                 <a:extLst>
                   <a:ext uri="{FF2B5EF4-FFF2-40B4-BE49-F238E27FC236}">
-                    <a16:creationId xmlns="" xmlns:a16="http://schemas.microsoft.com/office/drawing/2014/main" id="{1DEC865F-1443-4D03-9F29-4BD6D11BECA3}"/>
+                    <a16:creationId xmlns:a16="http://schemas.microsoft.com/office/drawing/2014/main" xmlns="" id="{1DEC865F-1443-4D03-9F29-4BD6D11BECA3}"/>
                   </a:ext>
                 </a:extLst>
               </p14:cNvPr>
@@ -7897,7 +7897,7 @@
               <p14:cNvPr id="10" name="Рукописный ввод 9">
                 <a:extLst>
                   <a:ext uri="{FF2B5EF4-FFF2-40B4-BE49-F238E27FC236}">
-                    <a16:creationId xmlns="" xmlns:a16="http://schemas.microsoft.com/office/drawing/2014/main" id="{D4F611E5-5BF3-432E-86BD-75D9FA62FAF5}"/>
+                    <a16:creationId xmlns:a16="http://schemas.microsoft.com/office/drawing/2014/main" xmlns="" id="{D4F611E5-5BF3-432E-86BD-75D9FA62FAF5}"/>
                   </a:ext>
                 </a:extLst>
               </p14:cNvPr>
@@ -7946,7 +7946,7 @@
           <p:cNvPr id="11" name="Номер слайда 2">
             <a:extLst>
               <a:ext uri="{FF2B5EF4-FFF2-40B4-BE49-F238E27FC236}">
-                <a16:creationId xmlns="" xmlns:a16="http://schemas.microsoft.com/office/drawing/2014/main" id="{B38EA520-EE3C-4838-9405-03116C1804A8}"/>
+                <a16:creationId xmlns:a16="http://schemas.microsoft.com/office/drawing/2014/main" xmlns="" id="{B38EA520-EE3C-4838-9405-03116C1804A8}"/>
               </a:ext>
             </a:extLst>
           </p:cNvPr>
@@ -8268,7 +8268,7 @@
           <p:cNvPr id="5" name="Picture 6">
             <a:extLst>
               <a:ext uri="{FF2B5EF4-FFF2-40B4-BE49-F238E27FC236}">
-                <a16:creationId xmlns="" xmlns:a16="http://schemas.microsoft.com/office/drawing/2014/main" id="{F86833CC-B2B0-41C9-8234-D42C8F028557}"/>
+                <a16:creationId xmlns:a16="http://schemas.microsoft.com/office/drawing/2014/main" xmlns="" id="{F86833CC-B2B0-41C9-8234-D42C8F028557}"/>
               </a:ext>
             </a:extLst>
           </p:cNvPr>
@@ -8306,7 +8306,7 @@
               <p14:cNvPr id="9" name="Рукописный ввод 8">
                 <a:extLst>
                   <a:ext uri="{FF2B5EF4-FFF2-40B4-BE49-F238E27FC236}">
-                    <a16:creationId xmlns="" xmlns:a16="http://schemas.microsoft.com/office/drawing/2014/main" id="{1DEC865F-1443-4D03-9F29-4BD6D11BECA3}"/>
+                    <a16:creationId xmlns:a16="http://schemas.microsoft.com/office/drawing/2014/main" xmlns="" id="{1DEC865F-1443-4D03-9F29-4BD6D11BECA3}"/>
                   </a:ext>
                 </a:extLst>
               </p14:cNvPr>
@@ -8357,7 +8357,7 @@
               <p14:cNvPr id="10" name="Рукописный ввод 9">
                 <a:extLst>
                   <a:ext uri="{FF2B5EF4-FFF2-40B4-BE49-F238E27FC236}">
-                    <a16:creationId xmlns="" xmlns:a16="http://schemas.microsoft.com/office/drawing/2014/main" id="{D4F611E5-5BF3-432E-86BD-75D9FA62FAF5}"/>
+                    <a16:creationId xmlns:a16="http://schemas.microsoft.com/office/drawing/2014/main" xmlns="" id="{D4F611E5-5BF3-432E-86BD-75D9FA62FAF5}"/>
                   </a:ext>
                 </a:extLst>
               </p14:cNvPr>
@@ -8406,7 +8406,7 @@
           <p:cNvPr id="11" name="Номер слайда 2">
             <a:extLst>
               <a:ext uri="{FF2B5EF4-FFF2-40B4-BE49-F238E27FC236}">
-                <a16:creationId xmlns="" xmlns:a16="http://schemas.microsoft.com/office/drawing/2014/main" id="{B38EA520-EE3C-4838-9405-03116C1804A8}"/>
+                <a16:creationId xmlns:a16="http://schemas.microsoft.com/office/drawing/2014/main" xmlns="" id="{B38EA520-EE3C-4838-9405-03116C1804A8}"/>
               </a:ext>
             </a:extLst>
           </p:cNvPr>
@@ -8435,7 +8435,7 @@
           <p:cNvPr id="12" name="Рисунок 11">
             <a:extLst>
               <a:ext uri="{FF2B5EF4-FFF2-40B4-BE49-F238E27FC236}">
-                <a16:creationId xmlns="" xmlns:a16="http://schemas.microsoft.com/office/drawing/2014/main" id="{AE7A6181-1539-49CD-911A-68D76D3FDA20}"/>
+                <a16:creationId xmlns:a16="http://schemas.microsoft.com/office/drawing/2014/main" xmlns="" id="{AE7A6181-1539-49CD-911A-68D76D3FDA20}"/>
               </a:ext>
             </a:extLst>
           </p:cNvPr>
@@ -8572,7 +8572,7 @@
           <p:cNvPr id="5" name="Picture 6">
             <a:extLst>
               <a:ext uri="{FF2B5EF4-FFF2-40B4-BE49-F238E27FC236}">
-                <a16:creationId xmlns="" xmlns:a16="http://schemas.microsoft.com/office/drawing/2014/main" id="{F86833CC-B2B0-41C9-8234-D42C8F028557}"/>
+                <a16:creationId xmlns:a16="http://schemas.microsoft.com/office/drawing/2014/main" xmlns="" id="{F86833CC-B2B0-41C9-8234-D42C8F028557}"/>
               </a:ext>
             </a:extLst>
           </p:cNvPr>
@@ -8610,7 +8610,7 @@
               <p14:cNvPr id="9" name="Рукописный ввод 8">
                 <a:extLst>
                   <a:ext uri="{FF2B5EF4-FFF2-40B4-BE49-F238E27FC236}">
-                    <a16:creationId xmlns="" xmlns:a16="http://schemas.microsoft.com/office/drawing/2014/main" id="{1DEC865F-1443-4D03-9F29-4BD6D11BECA3}"/>
+                    <a16:creationId xmlns:a16="http://schemas.microsoft.com/office/drawing/2014/main" xmlns="" id="{1DEC865F-1443-4D03-9F29-4BD6D11BECA3}"/>
                   </a:ext>
                 </a:extLst>
               </p14:cNvPr>
@@ -8661,7 +8661,7 @@
               <p14:cNvPr id="10" name="Рукописный ввод 9">
                 <a:extLst>
                   <a:ext uri="{FF2B5EF4-FFF2-40B4-BE49-F238E27FC236}">
-                    <a16:creationId xmlns="" xmlns:a16="http://schemas.microsoft.com/office/drawing/2014/main" id="{D4F611E5-5BF3-432E-86BD-75D9FA62FAF5}"/>
+                    <a16:creationId xmlns:a16="http://schemas.microsoft.com/office/drawing/2014/main" xmlns="" id="{D4F611E5-5BF3-432E-86BD-75D9FA62FAF5}"/>
                   </a:ext>
                 </a:extLst>
               </p14:cNvPr>
@@ -8710,7 +8710,7 @@
           <p:cNvPr id="11" name="Номер слайда 2">
             <a:extLst>
               <a:ext uri="{FF2B5EF4-FFF2-40B4-BE49-F238E27FC236}">
-                <a16:creationId xmlns="" xmlns:a16="http://schemas.microsoft.com/office/drawing/2014/main" id="{B38EA520-EE3C-4838-9405-03116C1804A8}"/>
+                <a16:creationId xmlns:a16="http://schemas.microsoft.com/office/drawing/2014/main" xmlns="" id="{B38EA520-EE3C-4838-9405-03116C1804A8}"/>
               </a:ext>
             </a:extLst>
           </p:cNvPr>
@@ -8739,7 +8739,7 @@
           <p:cNvPr id="12" name="Рисунок 11">
             <a:extLst>
               <a:ext uri="{FF2B5EF4-FFF2-40B4-BE49-F238E27FC236}">
-                <a16:creationId xmlns="" xmlns:a16="http://schemas.microsoft.com/office/drawing/2014/main" id="{AE7A6181-1539-49CD-911A-68D76D3FDA20}"/>
+                <a16:creationId xmlns:a16="http://schemas.microsoft.com/office/drawing/2014/main" xmlns="" id="{AE7A6181-1539-49CD-911A-68D76D3FDA20}"/>
               </a:ext>
             </a:extLst>
           </p:cNvPr>
@@ -9004,7 +9004,7 @@
           <p:cNvPr id="5" name="Picture 6">
             <a:extLst>
               <a:ext uri="{FF2B5EF4-FFF2-40B4-BE49-F238E27FC236}">
-                <a16:creationId xmlns="" xmlns:a16="http://schemas.microsoft.com/office/drawing/2014/main" id="{F86833CC-B2B0-41C9-8234-D42C8F028557}"/>
+                <a16:creationId xmlns:a16="http://schemas.microsoft.com/office/drawing/2014/main" xmlns="" id="{F86833CC-B2B0-41C9-8234-D42C8F028557}"/>
               </a:ext>
             </a:extLst>
           </p:cNvPr>
@@ -9042,7 +9042,7 @@
               <p14:cNvPr id="9" name="Рукописный ввод 8">
                 <a:extLst>
                   <a:ext uri="{FF2B5EF4-FFF2-40B4-BE49-F238E27FC236}">
-                    <a16:creationId xmlns="" xmlns:a16="http://schemas.microsoft.com/office/drawing/2014/main" id="{1DEC865F-1443-4D03-9F29-4BD6D11BECA3}"/>
+                    <a16:creationId xmlns:a16="http://schemas.microsoft.com/office/drawing/2014/main" xmlns="" id="{1DEC865F-1443-4D03-9F29-4BD6D11BECA3}"/>
                   </a:ext>
                 </a:extLst>
               </p14:cNvPr>
@@ -9093,7 +9093,7 @@
               <p14:cNvPr id="10" name="Рукописный ввод 9">
                 <a:extLst>
                   <a:ext uri="{FF2B5EF4-FFF2-40B4-BE49-F238E27FC236}">
-                    <a16:creationId xmlns="" xmlns:a16="http://schemas.microsoft.com/office/drawing/2014/main" id="{D4F611E5-5BF3-432E-86BD-75D9FA62FAF5}"/>
+                    <a16:creationId xmlns:a16="http://schemas.microsoft.com/office/drawing/2014/main" xmlns="" id="{D4F611E5-5BF3-432E-86BD-75D9FA62FAF5}"/>
                   </a:ext>
                 </a:extLst>
               </p14:cNvPr>
@@ -9142,7 +9142,7 @@
           <p:cNvPr id="11" name="Номер слайда 2">
             <a:extLst>
               <a:ext uri="{FF2B5EF4-FFF2-40B4-BE49-F238E27FC236}">
-                <a16:creationId xmlns="" xmlns:a16="http://schemas.microsoft.com/office/drawing/2014/main" id="{B38EA520-EE3C-4838-9405-03116C1804A8}"/>
+                <a16:creationId xmlns:a16="http://schemas.microsoft.com/office/drawing/2014/main" xmlns="" id="{B38EA520-EE3C-4838-9405-03116C1804A8}"/>
               </a:ext>
             </a:extLst>
           </p:cNvPr>
@@ -9171,7 +9171,7 @@
           <p:cNvPr id="12" name="Рисунок 11">
             <a:extLst>
               <a:ext uri="{FF2B5EF4-FFF2-40B4-BE49-F238E27FC236}">
-                <a16:creationId xmlns="" xmlns:a16="http://schemas.microsoft.com/office/drawing/2014/main" id="{AE7A6181-1539-49CD-911A-68D76D3FDA20}"/>
+                <a16:creationId xmlns:a16="http://schemas.microsoft.com/office/drawing/2014/main" xmlns="" id="{AE7A6181-1539-49CD-911A-68D76D3FDA20}"/>
               </a:ext>
             </a:extLst>
           </p:cNvPr>
@@ -9436,7 +9436,7 @@
           <p:cNvPr id="5" name="Picture 6">
             <a:extLst>
               <a:ext uri="{FF2B5EF4-FFF2-40B4-BE49-F238E27FC236}">
-                <a16:creationId xmlns="" xmlns:a16="http://schemas.microsoft.com/office/drawing/2014/main" id="{F86833CC-B2B0-41C9-8234-D42C8F028557}"/>
+                <a16:creationId xmlns:a16="http://schemas.microsoft.com/office/drawing/2014/main" xmlns="" id="{F86833CC-B2B0-41C9-8234-D42C8F028557}"/>
               </a:ext>
             </a:extLst>
           </p:cNvPr>
@@ -9474,7 +9474,7 @@
               <p14:cNvPr id="9" name="Рукописный ввод 8">
                 <a:extLst>
                   <a:ext uri="{FF2B5EF4-FFF2-40B4-BE49-F238E27FC236}">
-                    <a16:creationId xmlns="" xmlns:a16="http://schemas.microsoft.com/office/drawing/2014/main" id="{1DEC865F-1443-4D03-9F29-4BD6D11BECA3}"/>
+                    <a16:creationId xmlns:a16="http://schemas.microsoft.com/office/drawing/2014/main" xmlns="" id="{1DEC865F-1443-4D03-9F29-4BD6D11BECA3}"/>
                   </a:ext>
                 </a:extLst>
               </p14:cNvPr>
@@ -9525,7 +9525,7 @@
               <p14:cNvPr id="10" name="Рукописный ввод 9">
                 <a:extLst>
                   <a:ext uri="{FF2B5EF4-FFF2-40B4-BE49-F238E27FC236}">
-                    <a16:creationId xmlns="" xmlns:a16="http://schemas.microsoft.com/office/drawing/2014/main" id="{D4F611E5-5BF3-432E-86BD-75D9FA62FAF5}"/>
+                    <a16:creationId xmlns:a16="http://schemas.microsoft.com/office/drawing/2014/main" xmlns="" id="{D4F611E5-5BF3-432E-86BD-75D9FA62FAF5}"/>
                   </a:ext>
                 </a:extLst>
               </p14:cNvPr>
@@ -9574,7 +9574,7 @@
           <p:cNvPr id="11" name="Номер слайда 2">
             <a:extLst>
               <a:ext uri="{FF2B5EF4-FFF2-40B4-BE49-F238E27FC236}">
-                <a16:creationId xmlns="" xmlns:a16="http://schemas.microsoft.com/office/drawing/2014/main" id="{B38EA520-EE3C-4838-9405-03116C1804A8}"/>
+                <a16:creationId xmlns:a16="http://schemas.microsoft.com/office/drawing/2014/main" xmlns="" id="{B38EA520-EE3C-4838-9405-03116C1804A8}"/>
               </a:ext>
             </a:extLst>
           </p:cNvPr>
@@ -9603,7 +9603,7 @@
           <p:cNvPr id="12" name="Рисунок 11">
             <a:extLst>
               <a:ext uri="{FF2B5EF4-FFF2-40B4-BE49-F238E27FC236}">
-                <a16:creationId xmlns="" xmlns:a16="http://schemas.microsoft.com/office/drawing/2014/main" id="{AE7A6181-1539-49CD-911A-68D76D3FDA20}"/>
+                <a16:creationId xmlns:a16="http://schemas.microsoft.com/office/drawing/2014/main" xmlns="" id="{AE7A6181-1539-49CD-911A-68D76D3FDA20}"/>
               </a:ext>
             </a:extLst>
           </p:cNvPr>
@@ -10116,7 +10116,7 @@
           <p:cNvPr id="5" name="Picture 6">
             <a:extLst>
               <a:ext uri="{FF2B5EF4-FFF2-40B4-BE49-F238E27FC236}">
-                <a16:creationId xmlns="" xmlns:a16="http://schemas.microsoft.com/office/drawing/2014/main" id="{F86833CC-B2B0-41C9-8234-D42C8F028557}"/>
+                <a16:creationId xmlns:a16="http://schemas.microsoft.com/office/drawing/2014/main" xmlns="" id="{F86833CC-B2B0-41C9-8234-D42C8F028557}"/>
               </a:ext>
             </a:extLst>
           </p:cNvPr>
@@ -10154,7 +10154,7 @@
               <p14:cNvPr id="9" name="Рукописный ввод 8">
                 <a:extLst>
                   <a:ext uri="{FF2B5EF4-FFF2-40B4-BE49-F238E27FC236}">
-                    <a16:creationId xmlns="" xmlns:a16="http://schemas.microsoft.com/office/drawing/2014/main" id="{1DEC865F-1443-4D03-9F29-4BD6D11BECA3}"/>
+                    <a16:creationId xmlns:a16="http://schemas.microsoft.com/office/drawing/2014/main" xmlns="" id="{1DEC865F-1443-4D03-9F29-4BD6D11BECA3}"/>
                   </a:ext>
                 </a:extLst>
               </p14:cNvPr>
@@ -10205,7 +10205,7 @@
               <p14:cNvPr id="10" name="Рукописный ввод 9">
                 <a:extLst>
                   <a:ext uri="{FF2B5EF4-FFF2-40B4-BE49-F238E27FC236}">
-                    <a16:creationId xmlns="" xmlns:a16="http://schemas.microsoft.com/office/drawing/2014/main" id="{D4F611E5-5BF3-432E-86BD-75D9FA62FAF5}"/>
+                    <a16:creationId xmlns:a16="http://schemas.microsoft.com/office/drawing/2014/main" xmlns="" id="{D4F611E5-5BF3-432E-86BD-75D9FA62FAF5}"/>
                   </a:ext>
                 </a:extLst>
               </p14:cNvPr>
@@ -10254,7 +10254,7 @@
           <p:cNvPr id="11" name="Номер слайда 2">
             <a:extLst>
               <a:ext uri="{FF2B5EF4-FFF2-40B4-BE49-F238E27FC236}">
-                <a16:creationId xmlns="" xmlns:a16="http://schemas.microsoft.com/office/drawing/2014/main" id="{B38EA520-EE3C-4838-9405-03116C1804A8}"/>
+                <a16:creationId xmlns:a16="http://schemas.microsoft.com/office/drawing/2014/main" xmlns="" id="{B38EA520-EE3C-4838-9405-03116C1804A8}"/>
               </a:ext>
             </a:extLst>
           </p:cNvPr>
@@ -10283,7 +10283,7 @@
           <p:cNvPr id="12" name="Рисунок 11">
             <a:extLst>
               <a:ext uri="{FF2B5EF4-FFF2-40B4-BE49-F238E27FC236}">
-                <a16:creationId xmlns="" xmlns:a16="http://schemas.microsoft.com/office/drawing/2014/main" id="{AE7A6181-1539-49CD-911A-68D76D3FDA20}"/>
+                <a16:creationId xmlns:a16="http://schemas.microsoft.com/office/drawing/2014/main" xmlns="" id="{AE7A6181-1539-49CD-911A-68D76D3FDA20}"/>
               </a:ext>
             </a:extLst>
           </p:cNvPr>
@@ -10484,7 +10484,7 @@
           <p:cNvPr id="5" name="Picture 6">
             <a:extLst>
               <a:ext uri="{FF2B5EF4-FFF2-40B4-BE49-F238E27FC236}">
-                <a16:creationId xmlns="" xmlns:a16="http://schemas.microsoft.com/office/drawing/2014/main" id="{F86833CC-B2B0-41C9-8234-D42C8F028557}"/>
+                <a16:creationId xmlns:a16="http://schemas.microsoft.com/office/drawing/2014/main" xmlns="" id="{F86833CC-B2B0-41C9-8234-D42C8F028557}"/>
               </a:ext>
             </a:extLst>
           </p:cNvPr>
@@ -10522,7 +10522,7 @@
               <p14:cNvPr id="9" name="Рукописный ввод 8">
                 <a:extLst>
                   <a:ext uri="{FF2B5EF4-FFF2-40B4-BE49-F238E27FC236}">
-                    <a16:creationId xmlns="" xmlns:a16="http://schemas.microsoft.com/office/drawing/2014/main" id="{1DEC865F-1443-4D03-9F29-4BD6D11BECA3}"/>
+                    <a16:creationId xmlns:a16="http://schemas.microsoft.com/office/drawing/2014/main" xmlns="" id="{1DEC865F-1443-4D03-9F29-4BD6D11BECA3}"/>
                   </a:ext>
                 </a:extLst>
               </p14:cNvPr>
@@ -10573,7 +10573,7 @@
               <p14:cNvPr id="10" name="Рукописный ввод 9">
                 <a:extLst>
                   <a:ext uri="{FF2B5EF4-FFF2-40B4-BE49-F238E27FC236}">
-                    <a16:creationId xmlns="" xmlns:a16="http://schemas.microsoft.com/office/drawing/2014/main" id="{D4F611E5-5BF3-432E-86BD-75D9FA62FAF5}"/>
+                    <a16:creationId xmlns:a16="http://schemas.microsoft.com/office/drawing/2014/main" xmlns="" id="{D4F611E5-5BF3-432E-86BD-75D9FA62FAF5}"/>
                   </a:ext>
                 </a:extLst>
               </p14:cNvPr>
@@ -11058,7 +11058,7 @@
           <p:cNvPr id="11" name="Номер слайда 2">
             <a:extLst>
               <a:ext uri="{FF2B5EF4-FFF2-40B4-BE49-F238E27FC236}">
-                <a16:creationId xmlns="" xmlns:a16="http://schemas.microsoft.com/office/drawing/2014/main" id="{B38EA520-EE3C-4838-9405-03116C1804A8}"/>
+                <a16:creationId xmlns:a16="http://schemas.microsoft.com/office/drawing/2014/main" xmlns="" id="{B38EA520-EE3C-4838-9405-03116C1804A8}"/>
               </a:ext>
             </a:extLst>
           </p:cNvPr>
@@ -11087,7 +11087,7 @@
           <p:cNvPr id="12" name="Рисунок 11">
             <a:extLst>
               <a:ext uri="{FF2B5EF4-FFF2-40B4-BE49-F238E27FC236}">
-                <a16:creationId xmlns="" xmlns:a16="http://schemas.microsoft.com/office/drawing/2014/main" id="{AE7A6181-1539-49CD-911A-68D76D3FDA20}"/>
+                <a16:creationId xmlns:a16="http://schemas.microsoft.com/office/drawing/2014/main" xmlns="" id="{AE7A6181-1539-49CD-911A-68D76D3FDA20}"/>
               </a:ext>
             </a:extLst>
           </p:cNvPr>
